--- a/Pyramid of Pain.pptx
+++ b/Pyramid of Pain.pptx
@@ -5832,22 +5832,38 @@
           </a:bodyPr>
           <a:lstStyle/>
           <a:p>
-            <a:pPr marL="0" lvl="0" indent="0" algn="l" rtl="0">
-              <a:spcBef>
-                <a:spcPts val="0"/>
-              </a:spcBef>
-              <a:spcAft>
-                <a:spcPts val="0"/>
-              </a:spcAft>
-              <a:buNone/>
-            </a:pPr>
+            <a:pPr lvl="0"/>
             <a:r>
-              <a:rPr lang="en" dirty="0">
+              <a:rPr lang="en-US" dirty="0">
                 <a:solidFill>
                   <a:srgbClr val="434343"/>
                 </a:solidFill>
               </a:rPr>
-              <a:t>Após analise dos dados fornecidos pelo site virus total após analise da HASH do arquivo suspeito, foi constatado que se trata de um arquivo malicioso, tendo como Popular threat label: “trojan.flagpro/fragtor</a:t>
+              <a:t>After analyzing the data provided by the website virus total after analyzing the HASH of the suspicious file, it was found that it is a malicious file, with the Popular threat label: "</a:t>
+            </a:r>
+            <a:r>
+              <a:rPr lang="en-US" dirty="0" err="1">
+                <a:solidFill>
+                  <a:srgbClr val="434343"/>
+                </a:solidFill>
+              </a:rPr>
+              <a:t>trojan.flagpro</a:t>
+            </a:r>
+            <a:r>
+              <a:rPr lang="en-US" dirty="0">
+                <a:solidFill>
+                  <a:srgbClr val="434343"/>
+                </a:solidFill>
+              </a:rPr>
+              <a:t>/</a:t>
+            </a:r>
+            <a:r>
+              <a:rPr lang="en-US" dirty="0" err="1">
+                <a:solidFill>
+                  <a:srgbClr val="434343"/>
+                </a:solidFill>
+              </a:rPr>
+              <a:t>fragtor</a:t>
             </a:r>
             <a:endParaRPr dirty="0">
               <a:solidFill>
@@ -6490,7 +6506,7 @@
               <a:buNone/>
             </a:pPr>
             <a:r>
-              <a:rPr lang="pt-BR" sz="1400" b="1" i="0" u="none" strike="noStrike">
+              <a:rPr lang="pt-BR" sz="1400" b="1" i="0" u="none" strike="noStrike" dirty="0">
                 <a:solidFill>
                   <a:srgbClr val="FFFFFF"/>
                 </a:solidFill>
@@ -6498,7 +6514,18 @@
                 <a:latin typeface="Source Sans Pro" panose="020B0503030403020204" pitchFamily="34" charset="0"/>
                 <a:hlinkClick r:id="rId3"/>
               </a:rPr>
-              <a:t>Defense Evasion</a:t>
+              <a:t>Defense </a:t>
+            </a:r>
+            <a:r>
+              <a:rPr lang="pt-BR" sz="1400" b="1" i="0" u="none" strike="noStrike" dirty="0" err="1">
+                <a:solidFill>
+                  <a:srgbClr val="FFFFFF"/>
+                </a:solidFill>
+                <a:effectLst/>
+                <a:latin typeface="Source Sans Pro" panose="020B0503030403020204" pitchFamily="34" charset="0"/>
+                <a:hlinkClick r:id="rId3"/>
+              </a:rPr>
+              <a:t>Evasion</a:t>
             </a:r>
             <a:endParaRPr sz="1100" dirty="0">
               <a:solidFill>
@@ -6581,23 +6608,23 @@
               <a:buNone/>
             </a:pPr>
             <a:r>
-              <a:rPr lang="pt-BR" sz="1100" dirty="0">
+              <a:rPr lang="pt-BR" dirty="0">
                 <a:solidFill>
                   <a:schemeClr val="dk1"/>
                 </a:solidFill>
-                <a:latin typeface="Roboto"/>
-                <a:ea typeface="Roboto"/>
+                <a:latin typeface="Source Sans Pro" panose="020B0503030403020204" pitchFamily="34" charset="0"/>
+                <a:ea typeface="Source Sans Pro" panose="020B0503030403020204" pitchFamily="34" charset="0"/>
                 <a:cs typeface="Roboto"/>
                 <a:sym typeface="Roboto"/>
               </a:rPr>
               <a:t>Input capture</a:t>
             </a:r>
-            <a:endParaRPr sz="1100" dirty="0">
+            <a:endParaRPr dirty="0">
               <a:solidFill>
                 <a:schemeClr val="dk1"/>
               </a:solidFill>
-              <a:latin typeface="Roboto"/>
-              <a:ea typeface="Roboto"/>
+              <a:latin typeface="Source Sans Pro" panose="020B0503030403020204" pitchFamily="34" charset="0"/>
+              <a:ea typeface="Source Sans Pro" panose="020B0503030403020204" pitchFamily="34" charset="0"/>
               <a:cs typeface="Roboto"/>
               <a:sym typeface="Roboto"/>
             </a:endParaRPr>
@@ -6673,7 +6700,7 @@
               <a:buNone/>
             </a:pPr>
             <a:r>
-              <a:rPr lang="pt-BR" sz="1100" dirty="0">
+              <a:rPr lang="pt-BR" dirty="0">
                 <a:solidFill>
                   <a:schemeClr val="tx1"/>
                 </a:solidFill>
@@ -6685,7 +6712,7 @@
               <a:t>HTTP </a:t>
             </a:r>
             <a:r>
-              <a:rPr lang="pt-BR" sz="1100" dirty="0" err="1">
+              <a:rPr lang="pt-BR" dirty="0" err="1">
                 <a:solidFill>
                   <a:schemeClr val="tx1"/>
                 </a:solidFill>
@@ -6696,7 +6723,7 @@
               </a:rPr>
               <a:t>Requests</a:t>
             </a:r>
-            <a:endParaRPr sz="1100" dirty="0">
+            <a:endParaRPr dirty="0">
               <a:solidFill>
                 <a:schemeClr val="tx1"/>
               </a:solidFill>
@@ -6719,7 +6746,7 @@
         </p:nvCxnSpPr>
         <p:spPr>
           <a:xfrm>
-            <a:off x="4426175" y="3274536"/>
+            <a:off x="4524313" y="3222868"/>
             <a:ext cx="1528049" cy="600"/>
           </a:xfrm>
           <a:prstGeom prst="bentConnector3">
@@ -6747,7 +6774,7 @@
         </p:nvSpPr>
         <p:spPr>
           <a:xfrm>
-            <a:off x="5954224" y="3012486"/>
+            <a:off x="6052362" y="2960818"/>
             <a:ext cx="2187151" cy="525300"/>
           </a:xfrm>
           <a:prstGeom prst="roundRect">
@@ -6778,7 +6805,7 @@
               <a:buNone/>
             </a:pPr>
             <a:r>
-              <a:rPr lang="pt-BR" sz="1400" b="0" i="0" u="none" strike="noStrike" dirty="0">
+              <a:rPr lang="pt-BR" b="0" i="0" u="none" strike="noStrike" dirty="0">
                 <a:solidFill>
                   <a:srgbClr val="FFFFFF"/>
                 </a:solidFill>
@@ -6964,6 +6991,7 @@
                 </a:solidFill>
                 <a:effectLst/>
                 <a:latin typeface="Source Sans Pro" panose="020B0503030403020204" pitchFamily="34" charset="0"/>
+                <a:ea typeface="Source Sans Pro" panose="020B0503030403020204" pitchFamily="34" charset="0"/>
               </a:rPr>
             </a:br>
             <a:r>
@@ -6973,11 +7001,15 @@
                 </a:solidFill>
                 <a:effectLst/>
                 <a:latin typeface="Source Sans Pro" panose="020B0503030403020204" pitchFamily="34" charset="0"/>
+                <a:ea typeface="Source Sans Pro" panose="020B0503030403020204" pitchFamily="34" charset="0"/>
               </a:rPr>
               <a:t>SHA-256: </a:t>
             </a:r>
             <a:br>
-              <a:rPr lang="pt-BR" sz="1400" dirty="0"/>
+              <a:rPr lang="pt-BR" sz="1400" dirty="0">
+                <a:latin typeface="Source Sans Pro" panose="020B0503030403020204" pitchFamily="34" charset="0"/>
+                <a:ea typeface="Source Sans Pro" panose="020B0503030403020204" pitchFamily="34" charset="0"/>
+              </a:rPr>
             </a:br>
             <a:r>
               <a:rPr lang="pt-BR" sz="1400" b="0" i="0" dirty="0">
@@ -6986,6 +7018,7 @@
                 </a:solidFill>
                 <a:effectLst/>
                 <a:latin typeface="Source Sans Pro" panose="020B0503030403020204" pitchFamily="34" charset="0"/>
+                <a:ea typeface="Source Sans Pro" panose="020B0503030403020204" pitchFamily="34" charset="0"/>
               </a:rPr>
               <a:t>54e6ea47eb04634d3e87fd7787e2136ccfbcc80ade34f246a12cf93bab527f6b</a:t>
             </a:r>
@@ -6993,8 +7026,8 @@
               <a:solidFill>
                 <a:schemeClr val="tx1"/>
               </a:solidFill>
-              <a:latin typeface="Roboto"/>
-              <a:ea typeface="Roboto"/>
+              <a:latin typeface="Source Sans Pro" panose="020B0503030403020204" pitchFamily="34" charset="0"/>
+              <a:ea typeface="Source Sans Pro" panose="020B0503030403020204" pitchFamily="34" charset="0"/>
               <a:cs typeface="Roboto"/>
               <a:sym typeface="Roboto"/>
             </a:endParaRPr>
